--- a/start-slides.pptx
+++ b/start-slides.pptx
@@ -7,6 +7,7 @@
   <p:sldIdLst>
     <p:sldId id="256" r:id="rId2"/>
     <p:sldId id="257" r:id="rId3"/>
+    <p:sldId id="258" r:id="rId4"/>
   </p:sldIdLst>
   <p:sldSz cx="12192000" cy="6858000"/>
   <p:notesSz cx="6858000" cy="9144000"/>
@@ -105,6 +106,11 @@
       </a:defRPr>
     </a:lvl9pPr>
   </p:defaultTextStyle>
+  <p:extLst>
+    <p:ext uri="{EFAFB233-063F-42B5-8137-9DF3F51BA10A}">
+      <p15:sldGuideLst xmlns:p15="http://schemas.microsoft.com/office/powerpoint/2012/main"/>
+    </p:ext>
+  </p:extLst>
 </p:presentation>
 </file>
 
@@ -257,7 +263,7 @@
           <a:p>
             <a:fld id="{4A52D4BF-0EB6-E047-81FF-0C2CAFE5DE32}" type="datetimeFigureOut">
               <a:rPr lang="en-CH" smtClean="0"/>
-              <a:t>08.08.22</a:t>
+              <a:t>08/09/2022</a:t>
             </a:fld>
             <a:endParaRPr lang="en-CH"/>
           </a:p>
@@ -311,7 +317,7 @@
           <a:p>
             <a:fld id="{B0EF2F08-E45E-1A41-8309-F6039F0DB567}" type="slidenum">
               <a:rPr lang="en-CH" smtClean="0"/>
-              <a:t>‹#›</a:t>
+              <a:t>‹N°›</a:t>
             </a:fld>
             <a:endParaRPr lang="en-CH"/>
           </a:p>
@@ -457,7 +463,7 @@
           <a:p>
             <a:fld id="{4A52D4BF-0EB6-E047-81FF-0C2CAFE5DE32}" type="datetimeFigureOut">
               <a:rPr lang="en-CH" smtClean="0"/>
-              <a:t>08.08.22</a:t>
+              <a:t>08/09/2022</a:t>
             </a:fld>
             <a:endParaRPr lang="en-CH"/>
           </a:p>
@@ -511,7 +517,7 @@
           <a:p>
             <a:fld id="{B0EF2F08-E45E-1A41-8309-F6039F0DB567}" type="slidenum">
               <a:rPr lang="en-CH" smtClean="0"/>
-              <a:t>‹#›</a:t>
+              <a:t>‹N°›</a:t>
             </a:fld>
             <a:endParaRPr lang="en-CH"/>
           </a:p>
@@ -667,7 +673,7 @@
           <a:p>
             <a:fld id="{4A52D4BF-0EB6-E047-81FF-0C2CAFE5DE32}" type="datetimeFigureOut">
               <a:rPr lang="en-CH" smtClean="0"/>
-              <a:t>08.08.22</a:t>
+              <a:t>08/09/2022</a:t>
             </a:fld>
             <a:endParaRPr lang="en-CH"/>
           </a:p>
@@ -721,7 +727,7 @@
           <a:p>
             <a:fld id="{B0EF2F08-E45E-1A41-8309-F6039F0DB567}" type="slidenum">
               <a:rPr lang="en-CH" smtClean="0"/>
-              <a:t>‹#›</a:t>
+              <a:t>‹N°›</a:t>
             </a:fld>
             <a:endParaRPr lang="en-CH"/>
           </a:p>
@@ -867,7 +873,7 @@
           <a:p>
             <a:fld id="{4A52D4BF-0EB6-E047-81FF-0C2CAFE5DE32}" type="datetimeFigureOut">
               <a:rPr lang="en-CH" smtClean="0"/>
-              <a:t>08.08.22</a:t>
+              <a:t>08/09/2022</a:t>
             </a:fld>
             <a:endParaRPr lang="en-CH"/>
           </a:p>
@@ -921,7 +927,7 @@
           <a:p>
             <a:fld id="{B0EF2F08-E45E-1A41-8309-F6039F0DB567}" type="slidenum">
               <a:rPr lang="en-CH" smtClean="0"/>
-              <a:t>‹#›</a:t>
+              <a:t>‹N°›</a:t>
             </a:fld>
             <a:endParaRPr lang="en-CH"/>
           </a:p>
@@ -1143,7 +1149,7 @@
           <a:p>
             <a:fld id="{4A52D4BF-0EB6-E047-81FF-0C2CAFE5DE32}" type="datetimeFigureOut">
               <a:rPr lang="en-CH" smtClean="0"/>
-              <a:t>08.08.22</a:t>
+              <a:t>08/09/2022</a:t>
             </a:fld>
             <a:endParaRPr lang="en-CH"/>
           </a:p>
@@ -1197,7 +1203,7 @@
           <a:p>
             <a:fld id="{B0EF2F08-E45E-1A41-8309-F6039F0DB567}" type="slidenum">
               <a:rPr lang="en-CH" smtClean="0"/>
-              <a:t>‹#›</a:t>
+              <a:t>‹N°›</a:t>
             </a:fld>
             <a:endParaRPr lang="en-CH"/>
           </a:p>
@@ -1411,7 +1417,7 @@
           <a:p>
             <a:fld id="{4A52D4BF-0EB6-E047-81FF-0C2CAFE5DE32}" type="datetimeFigureOut">
               <a:rPr lang="en-CH" smtClean="0"/>
-              <a:t>08.08.22</a:t>
+              <a:t>08/09/2022</a:t>
             </a:fld>
             <a:endParaRPr lang="en-CH"/>
           </a:p>
@@ -1465,7 +1471,7 @@
           <a:p>
             <a:fld id="{B0EF2F08-E45E-1A41-8309-F6039F0DB567}" type="slidenum">
               <a:rPr lang="en-CH" smtClean="0"/>
-              <a:t>‹#›</a:t>
+              <a:t>‹N°›</a:t>
             </a:fld>
             <a:endParaRPr lang="en-CH"/>
           </a:p>
@@ -1826,7 +1832,7 @@
           <a:p>
             <a:fld id="{4A52D4BF-0EB6-E047-81FF-0C2CAFE5DE32}" type="datetimeFigureOut">
               <a:rPr lang="en-CH" smtClean="0"/>
-              <a:t>08.08.22</a:t>
+              <a:t>08/09/2022</a:t>
             </a:fld>
             <a:endParaRPr lang="en-CH"/>
           </a:p>
@@ -1880,7 +1886,7 @@
           <a:p>
             <a:fld id="{B0EF2F08-E45E-1A41-8309-F6039F0DB567}" type="slidenum">
               <a:rPr lang="en-CH" smtClean="0"/>
-              <a:t>‹#›</a:t>
+              <a:t>‹N°›</a:t>
             </a:fld>
             <a:endParaRPr lang="en-CH"/>
           </a:p>
@@ -1968,7 +1974,7 @@
           <a:p>
             <a:fld id="{4A52D4BF-0EB6-E047-81FF-0C2CAFE5DE32}" type="datetimeFigureOut">
               <a:rPr lang="en-CH" smtClean="0"/>
-              <a:t>08.08.22</a:t>
+              <a:t>08/09/2022</a:t>
             </a:fld>
             <a:endParaRPr lang="en-CH"/>
           </a:p>
@@ -2022,7 +2028,7 @@
           <a:p>
             <a:fld id="{B0EF2F08-E45E-1A41-8309-F6039F0DB567}" type="slidenum">
               <a:rPr lang="en-CH" smtClean="0"/>
-              <a:t>‹#›</a:t>
+              <a:t>‹N°›</a:t>
             </a:fld>
             <a:endParaRPr lang="en-CH"/>
           </a:p>
@@ -2081,7 +2087,7 @@
           <a:p>
             <a:fld id="{4A52D4BF-0EB6-E047-81FF-0C2CAFE5DE32}" type="datetimeFigureOut">
               <a:rPr lang="en-CH" smtClean="0"/>
-              <a:t>08.08.22</a:t>
+              <a:t>08/09/2022</a:t>
             </a:fld>
             <a:endParaRPr lang="en-CH"/>
           </a:p>
@@ -2135,7 +2141,7 @@
           <a:p>
             <a:fld id="{B0EF2F08-E45E-1A41-8309-F6039F0DB567}" type="slidenum">
               <a:rPr lang="en-CH" smtClean="0"/>
-              <a:t>‹#›</a:t>
+              <a:t>‹N°›</a:t>
             </a:fld>
             <a:endParaRPr lang="en-CH"/>
           </a:p>
@@ -2394,7 +2400,7 @@
           <a:p>
             <a:fld id="{4A52D4BF-0EB6-E047-81FF-0C2CAFE5DE32}" type="datetimeFigureOut">
               <a:rPr lang="en-CH" smtClean="0"/>
-              <a:t>08.08.22</a:t>
+              <a:t>08/09/2022</a:t>
             </a:fld>
             <a:endParaRPr lang="en-CH"/>
           </a:p>
@@ -2448,7 +2454,7 @@
           <a:p>
             <a:fld id="{B0EF2F08-E45E-1A41-8309-F6039F0DB567}" type="slidenum">
               <a:rPr lang="en-CH" smtClean="0"/>
-              <a:t>‹#›</a:t>
+              <a:t>‹N°›</a:t>
             </a:fld>
             <a:endParaRPr lang="en-CH"/>
           </a:p>
@@ -2683,7 +2689,7 @@
           <a:p>
             <a:fld id="{4A52D4BF-0EB6-E047-81FF-0C2CAFE5DE32}" type="datetimeFigureOut">
               <a:rPr lang="en-CH" smtClean="0"/>
-              <a:t>08.08.22</a:t>
+              <a:t>08/09/2022</a:t>
             </a:fld>
             <a:endParaRPr lang="en-CH"/>
           </a:p>
@@ -2737,7 +2743,7 @@
           <a:p>
             <a:fld id="{B0EF2F08-E45E-1A41-8309-F6039F0DB567}" type="slidenum">
               <a:rPr lang="en-CH" smtClean="0"/>
-              <a:t>‹#›</a:t>
+              <a:t>‹N°›</a:t>
             </a:fld>
             <a:endParaRPr lang="en-CH"/>
           </a:p>
@@ -2926,7 +2932,7 @@
           <a:p>
             <a:fld id="{4A52D4BF-0EB6-E047-81FF-0C2CAFE5DE32}" type="datetimeFigureOut">
               <a:rPr lang="en-CH" smtClean="0"/>
-              <a:t>08.08.22</a:t>
+              <a:t>08/09/2022</a:t>
             </a:fld>
             <a:endParaRPr lang="en-CH"/>
           </a:p>
@@ -3016,7 +3022,7 @@
           <a:p>
             <a:fld id="{B0EF2F08-E45E-1A41-8309-F6039F0DB567}" type="slidenum">
               <a:rPr lang="en-CH" smtClean="0"/>
-              <a:t>‹#›</a:t>
+              <a:t>‹N°›</a:t>
             </a:fld>
             <a:endParaRPr lang="en-CH"/>
           </a:p>
@@ -3772,7 +3778,7 @@
         </p:nvSpPr>
         <p:spPr>
           <a:xfrm>
-            <a:off x="838200" y="3962400"/>
+            <a:off x="838200" y="3613688"/>
             <a:ext cx="10515600" cy="800219"/>
           </a:xfrm>
           <a:prstGeom prst="rect">
@@ -3796,10 +3802,601 @@
           </a:p>
         </p:txBody>
       </p:sp>
+      <p:sp>
+        <p:nvSpPr>
+          <p:cNvPr id="5" name="Title 1">
+            <a:extLst>
+              <a:ext uri="{FF2B5EF4-FFF2-40B4-BE49-F238E27FC236}">
+                <a16:creationId xmlns:a16="http://schemas.microsoft.com/office/drawing/2014/main" id="{A2623E3C-BD42-684C-FDC4-C7B11CAA727A}"/>
+              </a:ext>
+            </a:extLst>
+          </p:cNvPr>
+          <p:cNvSpPr txBox="1">
+            <a:spLocks/>
+          </p:cNvSpPr>
+          <p:nvPr/>
+        </p:nvSpPr>
+        <p:spPr>
+          <a:xfrm>
+            <a:off x="838200" y="4306861"/>
+            <a:ext cx="10515600" cy="1325563"/>
+          </a:xfrm>
+          <a:prstGeom prst="rect">
+            <a:avLst/>
+          </a:prstGeom>
+        </p:spPr>
+        <p:txBody>
+          <a:bodyPr vert="horz" lIns="91440" tIns="45720" rIns="91440" bIns="45720" rtlCol="0" anchor="ctr">
+            <a:normAutofit/>
+          </a:bodyPr>
+          <a:lstStyle>
+            <a:lvl1pPr algn="l" defTabSz="914400" rtl="0" eaLnBrk="1" latinLnBrk="0" hangingPunct="1">
+              <a:lnSpc>
+                <a:spcPct val="90000"/>
+              </a:lnSpc>
+              <a:spcBef>
+                <a:spcPct val="0"/>
+              </a:spcBef>
+              <a:buNone/>
+              <a:defRPr sz="4400" kern="1200">
+                <a:solidFill>
+                  <a:schemeClr val="tx1"/>
+                </a:solidFill>
+                <a:latin typeface="+mj-lt"/>
+                <a:ea typeface="+mj-ea"/>
+                <a:cs typeface="+mj-cs"/>
+              </a:defRPr>
+            </a:lvl1pPr>
+          </a:lstStyle>
+          <a:p>
+            <a:r>
+              <a:rPr lang="fr-FR" dirty="0" err="1"/>
+              <a:t>Proceedings</a:t>
+            </a:r>
+            <a:endParaRPr lang="en-CH" dirty="0"/>
+          </a:p>
+        </p:txBody>
+      </p:sp>
+      <p:sp>
+        <p:nvSpPr>
+          <p:cNvPr id="6" name="TextBox 3">
+            <a:extLst>
+              <a:ext uri="{FF2B5EF4-FFF2-40B4-BE49-F238E27FC236}">
+                <a16:creationId xmlns:a16="http://schemas.microsoft.com/office/drawing/2014/main" id="{70506BD7-43F6-5D15-6F98-390500CBE417}"/>
+              </a:ext>
+            </a:extLst>
+          </p:cNvPr>
+          <p:cNvSpPr txBox="1"/>
+          <p:nvPr/>
+        </p:nvSpPr>
+        <p:spPr>
+          <a:xfrm>
+            <a:off x="838200" y="5544518"/>
+            <a:ext cx="10515600" cy="800219"/>
+          </a:xfrm>
+          <a:prstGeom prst="rect">
+            <a:avLst/>
+          </a:prstGeom>
+          <a:noFill/>
+        </p:spPr>
+        <p:txBody>
+          <a:bodyPr wrap="square" rtlCol="0">
+            <a:spAutoFit/>
+          </a:bodyPr>
+          <a:lstStyle/>
+          <a:p>
+            <a:r>
+              <a:rPr lang="fr-FR" sz="2800" dirty="0"/>
+              <a:t>CEUR-WS.org</a:t>
+            </a:r>
+            <a:endParaRPr lang="en-CH" sz="2800" dirty="0"/>
+          </a:p>
+          <a:p>
+            <a:endParaRPr lang="en-CH" dirty="0"/>
+          </a:p>
+        </p:txBody>
+      </p:sp>
     </p:spTree>
     <p:extLst>
       <p:ext uri="{BB962C8B-B14F-4D97-AF65-F5344CB8AC3E}">
         <p14:creationId xmlns:p14="http://schemas.microsoft.com/office/powerpoint/2010/main" val="2708900278"/>
+      </p:ext>
+    </p:extLst>
+  </p:cSld>
+  <p:clrMapOvr>
+    <a:masterClrMapping/>
+  </p:clrMapOvr>
+</p:sld>
+</file>
+
+<file path=ppt/slides/slide3.xml><?xml version="1.0" encoding="utf-8"?>
+<p:sld xmlns:a="http://schemas.openxmlformats.org/drawingml/2006/main" xmlns:r="http://schemas.openxmlformats.org/officeDocument/2006/relationships" xmlns:p="http://schemas.openxmlformats.org/presentationml/2006/main">
+  <p:cSld>
+    <p:spTree>
+      <p:nvGrpSpPr>
+        <p:cNvPr id="1" name=""/>
+        <p:cNvGrpSpPr/>
+        <p:nvPr/>
+      </p:nvGrpSpPr>
+      <p:grpSpPr>
+        <a:xfrm>
+          <a:off x="0" y="0"/>
+          <a:ext cx="0" cy="0"/>
+          <a:chOff x="0" y="0"/>
+          <a:chExt cx="0" cy="0"/>
+        </a:xfrm>
+      </p:grpSpPr>
+      <p:sp>
+        <p:nvSpPr>
+          <p:cNvPr id="2" name="Title 1">
+            <a:extLst>
+              <a:ext uri="{FF2B5EF4-FFF2-40B4-BE49-F238E27FC236}">
+                <a16:creationId xmlns:a16="http://schemas.microsoft.com/office/drawing/2014/main" id="{127A8DBB-7D0D-ABD0-25E0-169C1B802CC8}"/>
+              </a:ext>
+            </a:extLst>
+          </p:cNvPr>
+          <p:cNvSpPr>
+            <a:spLocks noGrp="1"/>
+          </p:cNvSpPr>
+          <p:nvPr>
+            <p:ph type="title"/>
+          </p:nvPr>
+        </p:nvSpPr>
+        <p:spPr/>
+        <p:txBody>
+          <a:bodyPr/>
+          <a:lstStyle/>
+          <a:p>
+            <a:r>
+              <a:rPr lang="fr-FR" dirty="0"/>
+              <a:t>Program</a:t>
+            </a:r>
+            <a:endParaRPr lang="en-CH" dirty="0"/>
+          </a:p>
+        </p:txBody>
+      </p:sp>
+      <p:sp>
+        <p:nvSpPr>
+          <p:cNvPr id="3" name="Content Placeholder 2">
+            <a:extLst>
+              <a:ext uri="{FF2B5EF4-FFF2-40B4-BE49-F238E27FC236}">
+                <a16:creationId xmlns:a16="http://schemas.microsoft.com/office/drawing/2014/main" id="{9D511DC3-1695-5DDF-62BD-3396B2A35BA7}"/>
+              </a:ext>
+            </a:extLst>
+          </p:cNvPr>
+          <p:cNvSpPr>
+            <a:spLocks noGrp="1"/>
+          </p:cNvSpPr>
+          <p:nvPr>
+            <p:ph idx="1"/>
+          </p:nvPr>
+        </p:nvSpPr>
+        <p:spPr>
+          <a:xfrm>
+            <a:off x="838200" y="1825625"/>
+            <a:ext cx="10515600" cy="1863506"/>
+          </a:xfrm>
+        </p:spPr>
+        <p:txBody>
+          <a:bodyPr>
+            <a:normAutofit fontScale="77500" lnSpcReduction="20000"/>
+          </a:bodyPr>
+          <a:lstStyle/>
+          <a:p>
+            <a:pPr marL="0" indent="0">
+              <a:buNone/>
+            </a:pPr>
+            <a:r>
+              <a:rPr lang="fr-FR" b="1" dirty="0"/>
+              <a:t>Thursday – </a:t>
+            </a:r>
+            <a:r>
+              <a:rPr lang="fr-FR" b="1" dirty="0" err="1"/>
+              <a:t>Ullman</a:t>
+            </a:r>
+            <a:r>
+              <a:rPr lang="fr-FR" b="1" dirty="0"/>
+              <a:t> 311</a:t>
+            </a:r>
+          </a:p>
+          <a:p>
+            <a:pPr marL="0" indent="0">
+              <a:buNone/>
+            </a:pPr>
+            <a:r>
+              <a:rPr lang="fr-FR" dirty="0"/>
+              <a:t>Session 1: </a:t>
+            </a:r>
+            <a:r>
+              <a:rPr lang="fr-FR" dirty="0" err="1"/>
+              <a:t>Invited</a:t>
+            </a:r>
+            <a:r>
+              <a:rPr lang="fr-FR" dirty="0"/>
+              <a:t> talk and one contribution</a:t>
+            </a:r>
+          </a:p>
+          <a:p>
+            <a:pPr marL="0" indent="0">
+              <a:buNone/>
+            </a:pPr>
+            <a:r>
+              <a:rPr lang="fr-FR" dirty="0"/>
+              <a:t>Session 2: 4 contributions on </a:t>
+            </a:r>
+            <a:r>
+              <a:rPr lang="fr-FR" dirty="0" err="1"/>
+              <a:t>arithmetics</a:t>
+            </a:r>
+            <a:r>
+              <a:rPr lang="fr-FR" dirty="0"/>
+              <a:t> and </a:t>
+            </a:r>
+            <a:r>
+              <a:rPr lang="fr-FR" dirty="0" err="1"/>
+              <a:t>higher-order</a:t>
+            </a:r>
+            <a:r>
+              <a:rPr lang="fr-FR" dirty="0"/>
+              <a:t> </a:t>
+            </a:r>
+            <a:r>
+              <a:rPr lang="fr-FR" dirty="0" err="1"/>
+              <a:t>reasoning</a:t>
+            </a:r>
+            <a:endParaRPr lang="fr-FR" dirty="0"/>
+          </a:p>
+          <a:p>
+            <a:pPr marL="0" indent="0">
+              <a:buNone/>
+            </a:pPr>
+            <a:r>
+              <a:rPr lang="fr-FR" dirty="0"/>
+              <a:t>Session 3: 4 contributions on </a:t>
+            </a:r>
+            <a:r>
+              <a:rPr lang="fr-FR" dirty="0" err="1"/>
+              <a:t>tooling</a:t>
+            </a:r>
+            <a:endParaRPr lang="fr-FR" dirty="0"/>
+          </a:p>
+          <a:p>
+            <a:pPr marL="0" indent="0">
+              <a:buNone/>
+            </a:pPr>
+            <a:r>
+              <a:rPr lang="fr-FR" dirty="0"/>
+              <a:t>Session 4: SMT-COMP report and </a:t>
+            </a:r>
+            <a:r>
+              <a:rPr lang="fr-FR" dirty="0" err="1"/>
+              <a:t>tool</a:t>
+            </a:r>
+            <a:r>
+              <a:rPr lang="fr-FR" dirty="0"/>
+              <a:t> </a:t>
+            </a:r>
+            <a:r>
+              <a:rPr lang="fr-FR" dirty="0" err="1"/>
+              <a:t>presentations</a:t>
+            </a:r>
+            <a:endParaRPr lang="fr-FR" dirty="0"/>
+          </a:p>
+          <a:p>
+            <a:pPr marL="0" indent="0">
+              <a:buNone/>
+            </a:pPr>
+            <a:endParaRPr lang="fr-FR" dirty="0"/>
+          </a:p>
+        </p:txBody>
+      </p:sp>
+      <p:sp>
+        <p:nvSpPr>
+          <p:cNvPr id="5" name="Content Placeholder 2">
+            <a:extLst>
+              <a:ext uri="{FF2B5EF4-FFF2-40B4-BE49-F238E27FC236}">
+                <a16:creationId xmlns:a16="http://schemas.microsoft.com/office/drawing/2014/main" id="{2FC75341-4AF0-5DE0-BD09-E3DC004EDC2D}"/>
+              </a:ext>
+            </a:extLst>
+          </p:cNvPr>
+          <p:cNvSpPr txBox="1">
+            <a:spLocks/>
+          </p:cNvSpPr>
+          <p:nvPr/>
+        </p:nvSpPr>
+        <p:spPr>
+          <a:xfrm>
+            <a:off x="838200" y="4074171"/>
+            <a:ext cx="10515600" cy="1863506"/>
+          </a:xfrm>
+          <a:prstGeom prst="rect">
+            <a:avLst/>
+          </a:prstGeom>
+        </p:spPr>
+        <p:txBody>
+          <a:bodyPr vert="horz" lIns="91440" tIns="45720" rIns="91440" bIns="45720" rtlCol="0">
+            <a:normAutofit fontScale="77500" lnSpcReduction="20000"/>
+          </a:bodyPr>
+          <a:lstStyle>
+            <a:lvl1pPr marL="228600" indent="-228600" algn="l" defTabSz="914400" rtl="0" eaLnBrk="1" latinLnBrk="0" hangingPunct="1">
+              <a:lnSpc>
+                <a:spcPct val="90000"/>
+              </a:lnSpc>
+              <a:spcBef>
+                <a:spcPts val="1000"/>
+              </a:spcBef>
+              <a:buFont typeface="Arial" panose="020B0604020202020204" pitchFamily="34" charset="0"/>
+              <a:buChar char="•"/>
+              <a:defRPr sz="2800" kern="1200">
+                <a:solidFill>
+                  <a:schemeClr val="tx1"/>
+                </a:solidFill>
+                <a:latin typeface="+mn-lt"/>
+                <a:ea typeface="+mn-ea"/>
+                <a:cs typeface="+mn-cs"/>
+              </a:defRPr>
+            </a:lvl1pPr>
+            <a:lvl2pPr marL="685800" indent="-228600" algn="l" defTabSz="914400" rtl="0" eaLnBrk="1" latinLnBrk="0" hangingPunct="1">
+              <a:lnSpc>
+                <a:spcPct val="90000"/>
+              </a:lnSpc>
+              <a:spcBef>
+                <a:spcPts val="500"/>
+              </a:spcBef>
+              <a:buFont typeface="Arial" panose="020B0604020202020204" pitchFamily="34" charset="0"/>
+              <a:buChar char="•"/>
+              <a:defRPr sz="2400" kern="1200">
+                <a:solidFill>
+                  <a:schemeClr val="tx1"/>
+                </a:solidFill>
+                <a:latin typeface="+mn-lt"/>
+                <a:ea typeface="+mn-ea"/>
+                <a:cs typeface="+mn-cs"/>
+              </a:defRPr>
+            </a:lvl2pPr>
+            <a:lvl3pPr marL="1143000" indent="-228600" algn="l" defTabSz="914400" rtl="0" eaLnBrk="1" latinLnBrk="0" hangingPunct="1">
+              <a:lnSpc>
+                <a:spcPct val="90000"/>
+              </a:lnSpc>
+              <a:spcBef>
+                <a:spcPts val="500"/>
+              </a:spcBef>
+              <a:buFont typeface="Arial" panose="020B0604020202020204" pitchFamily="34" charset="0"/>
+              <a:buChar char="•"/>
+              <a:defRPr sz="2000" kern="1200">
+                <a:solidFill>
+                  <a:schemeClr val="tx1"/>
+                </a:solidFill>
+                <a:latin typeface="+mn-lt"/>
+                <a:ea typeface="+mn-ea"/>
+                <a:cs typeface="+mn-cs"/>
+              </a:defRPr>
+            </a:lvl3pPr>
+            <a:lvl4pPr marL="1600200" indent="-228600" algn="l" defTabSz="914400" rtl="0" eaLnBrk="1" latinLnBrk="0" hangingPunct="1">
+              <a:lnSpc>
+                <a:spcPct val="90000"/>
+              </a:lnSpc>
+              <a:spcBef>
+                <a:spcPts val="500"/>
+              </a:spcBef>
+              <a:buFont typeface="Arial" panose="020B0604020202020204" pitchFamily="34" charset="0"/>
+              <a:buChar char="•"/>
+              <a:defRPr sz="1800" kern="1200">
+                <a:solidFill>
+                  <a:schemeClr val="tx1"/>
+                </a:solidFill>
+                <a:latin typeface="+mn-lt"/>
+                <a:ea typeface="+mn-ea"/>
+                <a:cs typeface="+mn-cs"/>
+              </a:defRPr>
+            </a:lvl4pPr>
+            <a:lvl5pPr marL="2057400" indent="-228600" algn="l" defTabSz="914400" rtl="0" eaLnBrk="1" latinLnBrk="0" hangingPunct="1">
+              <a:lnSpc>
+                <a:spcPct val="90000"/>
+              </a:lnSpc>
+              <a:spcBef>
+                <a:spcPts val="500"/>
+              </a:spcBef>
+              <a:buFont typeface="Arial" panose="020B0604020202020204" pitchFamily="34" charset="0"/>
+              <a:buChar char="•"/>
+              <a:defRPr sz="1800" kern="1200">
+                <a:solidFill>
+                  <a:schemeClr val="tx1"/>
+                </a:solidFill>
+                <a:latin typeface="+mn-lt"/>
+                <a:ea typeface="+mn-ea"/>
+                <a:cs typeface="+mn-cs"/>
+              </a:defRPr>
+            </a:lvl5pPr>
+            <a:lvl6pPr marL="2514600" indent="-228600" algn="l" defTabSz="914400" rtl="0" eaLnBrk="1" latinLnBrk="0" hangingPunct="1">
+              <a:lnSpc>
+                <a:spcPct val="90000"/>
+              </a:lnSpc>
+              <a:spcBef>
+                <a:spcPts val="500"/>
+              </a:spcBef>
+              <a:buFont typeface="Arial" panose="020B0604020202020204" pitchFamily="34" charset="0"/>
+              <a:buChar char="•"/>
+              <a:defRPr sz="1800" kern="1200">
+                <a:solidFill>
+                  <a:schemeClr val="tx1"/>
+                </a:solidFill>
+                <a:latin typeface="+mn-lt"/>
+                <a:ea typeface="+mn-ea"/>
+                <a:cs typeface="+mn-cs"/>
+              </a:defRPr>
+            </a:lvl6pPr>
+            <a:lvl7pPr marL="2971800" indent="-228600" algn="l" defTabSz="914400" rtl="0" eaLnBrk="1" latinLnBrk="0" hangingPunct="1">
+              <a:lnSpc>
+                <a:spcPct val="90000"/>
+              </a:lnSpc>
+              <a:spcBef>
+                <a:spcPts val="500"/>
+              </a:spcBef>
+              <a:buFont typeface="Arial" panose="020B0604020202020204" pitchFamily="34" charset="0"/>
+              <a:buChar char="•"/>
+              <a:defRPr sz="1800" kern="1200">
+                <a:solidFill>
+                  <a:schemeClr val="tx1"/>
+                </a:solidFill>
+                <a:latin typeface="+mn-lt"/>
+                <a:ea typeface="+mn-ea"/>
+                <a:cs typeface="+mn-cs"/>
+              </a:defRPr>
+            </a:lvl7pPr>
+            <a:lvl8pPr marL="3429000" indent="-228600" algn="l" defTabSz="914400" rtl="0" eaLnBrk="1" latinLnBrk="0" hangingPunct="1">
+              <a:lnSpc>
+                <a:spcPct val="90000"/>
+              </a:lnSpc>
+              <a:spcBef>
+                <a:spcPts val="500"/>
+              </a:spcBef>
+              <a:buFont typeface="Arial" panose="020B0604020202020204" pitchFamily="34" charset="0"/>
+              <a:buChar char="•"/>
+              <a:defRPr sz="1800" kern="1200">
+                <a:solidFill>
+                  <a:schemeClr val="tx1"/>
+                </a:solidFill>
+                <a:latin typeface="+mn-lt"/>
+                <a:ea typeface="+mn-ea"/>
+                <a:cs typeface="+mn-cs"/>
+              </a:defRPr>
+            </a:lvl8pPr>
+            <a:lvl9pPr marL="3886200" indent="-228600" algn="l" defTabSz="914400" rtl="0" eaLnBrk="1" latinLnBrk="0" hangingPunct="1">
+              <a:lnSpc>
+                <a:spcPct val="90000"/>
+              </a:lnSpc>
+              <a:spcBef>
+                <a:spcPts val="500"/>
+              </a:spcBef>
+              <a:buFont typeface="Arial" panose="020B0604020202020204" pitchFamily="34" charset="0"/>
+              <a:buChar char="•"/>
+              <a:defRPr sz="1800" kern="1200">
+                <a:solidFill>
+                  <a:schemeClr val="tx1"/>
+                </a:solidFill>
+                <a:latin typeface="+mn-lt"/>
+                <a:ea typeface="+mn-ea"/>
+                <a:cs typeface="+mn-cs"/>
+              </a:defRPr>
+            </a:lvl9pPr>
+          </a:lstStyle>
+          <a:p>
+            <a:pPr marL="0" indent="0">
+              <a:buFont typeface="Arial" panose="020B0604020202020204" pitchFamily="34" charset="0"/>
+              <a:buNone/>
+            </a:pPr>
+            <a:r>
+              <a:rPr lang="fr-FR" b="1" dirty="0"/>
+              <a:t>Friday – </a:t>
+            </a:r>
+            <a:r>
+              <a:rPr lang="fr-FR" b="1" dirty="0" err="1"/>
+              <a:t>Taub</a:t>
+            </a:r>
+            <a:r>
+              <a:rPr lang="fr-FR" b="1" dirty="0"/>
+              <a:t> 2</a:t>
+            </a:r>
+          </a:p>
+          <a:p>
+            <a:pPr marL="0" indent="0">
+              <a:buFont typeface="Arial" panose="020B0604020202020204" pitchFamily="34" charset="0"/>
+              <a:buNone/>
+            </a:pPr>
+            <a:r>
+              <a:rPr lang="fr-FR" dirty="0"/>
+              <a:t>Session 5: Panel discussion and one contribution</a:t>
+            </a:r>
+          </a:p>
+          <a:p>
+            <a:pPr marL="0" indent="0">
+              <a:buFont typeface="Arial" panose="020B0604020202020204" pitchFamily="34" charset="0"/>
+              <a:buNone/>
+            </a:pPr>
+            <a:r>
+              <a:rPr lang="fr-FR" dirty="0"/>
+              <a:t>Session 6: 4 contributions on </a:t>
+            </a:r>
+            <a:r>
+              <a:rPr lang="fr-FR" dirty="0" err="1"/>
+              <a:t>theories</a:t>
+            </a:r>
+            <a:r>
+              <a:rPr lang="fr-FR" dirty="0"/>
+              <a:t> and </a:t>
+            </a:r>
+            <a:r>
+              <a:rPr lang="fr-FR" dirty="0" err="1"/>
+              <a:t>proofs</a:t>
+            </a:r>
+            <a:endParaRPr lang="fr-FR" dirty="0"/>
+          </a:p>
+          <a:p>
+            <a:pPr marL="0" indent="0">
+              <a:buFont typeface="Arial" panose="020B0604020202020204" pitchFamily="34" charset="0"/>
+              <a:buNone/>
+            </a:pPr>
+            <a:r>
+              <a:rPr lang="fr-FR" dirty="0"/>
+              <a:t>Session 7: SMT-Lib benchmark and </a:t>
+            </a:r>
+            <a:r>
+              <a:rPr lang="fr-FR" dirty="0" err="1"/>
+              <a:t>language</a:t>
+            </a:r>
+            <a:r>
+              <a:rPr lang="fr-FR" dirty="0"/>
+              <a:t> update </a:t>
+            </a:r>
+            <a:r>
+              <a:rPr lang="fr-FR" dirty="0" err="1"/>
+              <a:t>followed</a:t>
+            </a:r>
+            <a:r>
+              <a:rPr lang="fr-FR" dirty="0"/>
+              <a:t> by business meeting</a:t>
+            </a:r>
+          </a:p>
+          <a:p>
+            <a:pPr marL="0" indent="0">
+              <a:buFont typeface="Arial" panose="020B0604020202020204" pitchFamily="34" charset="0"/>
+              <a:buNone/>
+            </a:pPr>
+            <a:r>
+              <a:rPr lang="fr-FR" dirty="0"/>
+              <a:t>Session 8: Update on proof </a:t>
+            </a:r>
+            <a:r>
+              <a:rPr lang="fr-FR" dirty="0" err="1"/>
+              <a:t>standardization</a:t>
+            </a:r>
+            <a:r>
+              <a:rPr lang="fr-FR" dirty="0"/>
+              <a:t> (joint </a:t>
+            </a:r>
+            <a:r>
+              <a:rPr lang="fr-FR" dirty="0" err="1"/>
+              <a:t>with</a:t>
+            </a:r>
+            <a:r>
+              <a:rPr lang="fr-FR" dirty="0"/>
+              <a:t> PAAR)</a:t>
+            </a:r>
+          </a:p>
+          <a:p>
+            <a:pPr marL="0" indent="0">
+              <a:buFont typeface="Arial" panose="020B0604020202020204" pitchFamily="34" charset="0"/>
+              <a:buNone/>
+            </a:pPr>
+            <a:endParaRPr lang="fr-FR" dirty="0"/>
+          </a:p>
+        </p:txBody>
+      </p:sp>
+    </p:spTree>
+    <p:extLst>
+      <p:ext uri="{BB962C8B-B14F-4D97-AF65-F5344CB8AC3E}">
+        <p14:creationId xmlns:p14="http://schemas.microsoft.com/office/powerpoint/2010/main" val="3323803929"/>
       </p:ext>
     </p:extLst>
   </p:cSld>

--- a/start-slides.pptx
+++ b/start-slides.pptx
@@ -8,6 +8,7 @@
     <p:sldId id="256" r:id="rId2"/>
     <p:sldId id="257" r:id="rId3"/>
     <p:sldId id="258" r:id="rId4"/>
+    <p:sldId id="259" r:id="rId5"/>
   </p:sldIdLst>
   <p:sldSz cx="12192000" cy="6858000"/>
   <p:notesSz cx="6858000" cy="9144000"/>
@@ -263,7 +264,7 @@
           <a:p>
             <a:fld id="{4A52D4BF-0EB6-E047-81FF-0C2CAFE5DE32}" type="datetimeFigureOut">
               <a:rPr lang="en-CH" smtClean="0"/>
-              <a:t>08/09/2022</a:t>
+              <a:t>10.08.22</a:t>
             </a:fld>
             <a:endParaRPr lang="en-CH"/>
           </a:p>
@@ -317,7 +318,7 @@
           <a:p>
             <a:fld id="{B0EF2F08-E45E-1A41-8309-F6039F0DB567}" type="slidenum">
               <a:rPr lang="en-CH" smtClean="0"/>
-              <a:t>‹N°›</a:t>
+              <a:t>‹#›</a:t>
             </a:fld>
             <a:endParaRPr lang="en-CH"/>
           </a:p>
@@ -463,7 +464,7 @@
           <a:p>
             <a:fld id="{4A52D4BF-0EB6-E047-81FF-0C2CAFE5DE32}" type="datetimeFigureOut">
               <a:rPr lang="en-CH" smtClean="0"/>
-              <a:t>08/09/2022</a:t>
+              <a:t>10.08.22</a:t>
             </a:fld>
             <a:endParaRPr lang="en-CH"/>
           </a:p>
@@ -517,7 +518,7 @@
           <a:p>
             <a:fld id="{B0EF2F08-E45E-1A41-8309-F6039F0DB567}" type="slidenum">
               <a:rPr lang="en-CH" smtClean="0"/>
-              <a:t>‹N°›</a:t>
+              <a:t>‹#›</a:t>
             </a:fld>
             <a:endParaRPr lang="en-CH"/>
           </a:p>
@@ -673,7 +674,7 @@
           <a:p>
             <a:fld id="{4A52D4BF-0EB6-E047-81FF-0C2CAFE5DE32}" type="datetimeFigureOut">
               <a:rPr lang="en-CH" smtClean="0"/>
-              <a:t>08/09/2022</a:t>
+              <a:t>10.08.22</a:t>
             </a:fld>
             <a:endParaRPr lang="en-CH"/>
           </a:p>
@@ -727,7 +728,7 @@
           <a:p>
             <a:fld id="{B0EF2F08-E45E-1A41-8309-F6039F0DB567}" type="slidenum">
               <a:rPr lang="en-CH" smtClean="0"/>
-              <a:t>‹N°›</a:t>
+              <a:t>‹#›</a:t>
             </a:fld>
             <a:endParaRPr lang="en-CH"/>
           </a:p>
@@ -873,7 +874,7 @@
           <a:p>
             <a:fld id="{4A52D4BF-0EB6-E047-81FF-0C2CAFE5DE32}" type="datetimeFigureOut">
               <a:rPr lang="en-CH" smtClean="0"/>
-              <a:t>08/09/2022</a:t>
+              <a:t>10.08.22</a:t>
             </a:fld>
             <a:endParaRPr lang="en-CH"/>
           </a:p>
@@ -927,7 +928,7 @@
           <a:p>
             <a:fld id="{B0EF2F08-E45E-1A41-8309-F6039F0DB567}" type="slidenum">
               <a:rPr lang="en-CH" smtClean="0"/>
-              <a:t>‹N°›</a:t>
+              <a:t>‹#›</a:t>
             </a:fld>
             <a:endParaRPr lang="en-CH"/>
           </a:p>
@@ -1149,7 +1150,7 @@
           <a:p>
             <a:fld id="{4A52D4BF-0EB6-E047-81FF-0C2CAFE5DE32}" type="datetimeFigureOut">
               <a:rPr lang="en-CH" smtClean="0"/>
-              <a:t>08/09/2022</a:t>
+              <a:t>10.08.22</a:t>
             </a:fld>
             <a:endParaRPr lang="en-CH"/>
           </a:p>
@@ -1203,7 +1204,7 @@
           <a:p>
             <a:fld id="{B0EF2F08-E45E-1A41-8309-F6039F0DB567}" type="slidenum">
               <a:rPr lang="en-CH" smtClean="0"/>
-              <a:t>‹N°›</a:t>
+              <a:t>‹#›</a:t>
             </a:fld>
             <a:endParaRPr lang="en-CH"/>
           </a:p>
@@ -1417,7 +1418,7 @@
           <a:p>
             <a:fld id="{4A52D4BF-0EB6-E047-81FF-0C2CAFE5DE32}" type="datetimeFigureOut">
               <a:rPr lang="en-CH" smtClean="0"/>
-              <a:t>08/09/2022</a:t>
+              <a:t>10.08.22</a:t>
             </a:fld>
             <a:endParaRPr lang="en-CH"/>
           </a:p>
@@ -1471,7 +1472,7 @@
           <a:p>
             <a:fld id="{B0EF2F08-E45E-1A41-8309-F6039F0DB567}" type="slidenum">
               <a:rPr lang="en-CH" smtClean="0"/>
-              <a:t>‹N°›</a:t>
+              <a:t>‹#›</a:t>
             </a:fld>
             <a:endParaRPr lang="en-CH"/>
           </a:p>
@@ -1832,7 +1833,7 @@
           <a:p>
             <a:fld id="{4A52D4BF-0EB6-E047-81FF-0C2CAFE5DE32}" type="datetimeFigureOut">
               <a:rPr lang="en-CH" smtClean="0"/>
-              <a:t>08/09/2022</a:t>
+              <a:t>10.08.22</a:t>
             </a:fld>
             <a:endParaRPr lang="en-CH"/>
           </a:p>
@@ -1886,7 +1887,7 @@
           <a:p>
             <a:fld id="{B0EF2F08-E45E-1A41-8309-F6039F0DB567}" type="slidenum">
               <a:rPr lang="en-CH" smtClean="0"/>
-              <a:t>‹N°›</a:t>
+              <a:t>‹#›</a:t>
             </a:fld>
             <a:endParaRPr lang="en-CH"/>
           </a:p>
@@ -1974,7 +1975,7 @@
           <a:p>
             <a:fld id="{4A52D4BF-0EB6-E047-81FF-0C2CAFE5DE32}" type="datetimeFigureOut">
               <a:rPr lang="en-CH" smtClean="0"/>
-              <a:t>08/09/2022</a:t>
+              <a:t>10.08.22</a:t>
             </a:fld>
             <a:endParaRPr lang="en-CH"/>
           </a:p>
@@ -2028,7 +2029,7 @@
           <a:p>
             <a:fld id="{B0EF2F08-E45E-1A41-8309-F6039F0DB567}" type="slidenum">
               <a:rPr lang="en-CH" smtClean="0"/>
-              <a:t>‹N°›</a:t>
+              <a:t>‹#›</a:t>
             </a:fld>
             <a:endParaRPr lang="en-CH"/>
           </a:p>
@@ -2087,7 +2088,7 @@
           <a:p>
             <a:fld id="{4A52D4BF-0EB6-E047-81FF-0C2CAFE5DE32}" type="datetimeFigureOut">
               <a:rPr lang="en-CH" smtClean="0"/>
-              <a:t>08/09/2022</a:t>
+              <a:t>10.08.22</a:t>
             </a:fld>
             <a:endParaRPr lang="en-CH"/>
           </a:p>
@@ -2141,7 +2142,7 @@
           <a:p>
             <a:fld id="{B0EF2F08-E45E-1A41-8309-F6039F0DB567}" type="slidenum">
               <a:rPr lang="en-CH" smtClean="0"/>
-              <a:t>‹N°›</a:t>
+              <a:t>‹#›</a:t>
             </a:fld>
             <a:endParaRPr lang="en-CH"/>
           </a:p>
@@ -2400,7 +2401,7 @@
           <a:p>
             <a:fld id="{4A52D4BF-0EB6-E047-81FF-0C2CAFE5DE32}" type="datetimeFigureOut">
               <a:rPr lang="en-CH" smtClean="0"/>
-              <a:t>08/09/2022</a:t>
+              <a:t>10.08.22</a:t>
             </a:fld>
             <a:endParaRPr lang="en-CH"/>
           </a:p>
@@ -2454,7 +2455,7 @@
           <a:p>
             <a:fld id="{B0EF2F08-E45E-1A41-8309-F6039F0DB567}" type="slidenum">
               <a:rPr lang="en-CH" smtClean="0"/>
-              <a:t>‹N°›</a:t>
+              <a:t>‹#›</a:t>
             </a:fld>
             <a:endParaRPr lang="en-CH"/>
           </a:p>
@@ -2689,7 +2690,7 @@
           <a:p>
             <a:fld id="{4A52D4BF-0EB6-E047-81FF-0C2CAFE5DE32}" type="datetimeFigureOut">
               <a:rPr lang="en-CH" smtClean="0"/>
-              <a:t>08/09/2022</a:t>
+              <a:t>10.08.22</a:t>
             </a:fld>
             <a:endParaRPr lang="en-CH"/>
           </a:p>
@@ -2743,7 +2744,7 @@
           <a:p>
             <a:fld id="{B0EF2F08-E45E-1A41-8309-F6039F0DB567}" type="slidenum">
               <a:rPr lang="en-CH" smtClean="0"/>
-              <a:t>‹N°›</a:t>
+              <a:t>‹#›</a:t>
             </a:fld>
             <a:endParaRPr lang="en-CH"/>
           </a:p>
@@ -2932,7 +2933,7 @@
           <a:p>
             <a:fld id="{4A52D4BF-0EB6-E047-81FF-0C2CAFE5DE32}" type="datetimeFigureOut">
               <a:rPr lang="en-CH" smtClean="0"/>
-              <a:t>08/09/2022</a:t>
+              <a:t>10.08.22</a:t>
             </a:fld>
             <a:endParaRPr lang="en-CH"/>
           </a:p>
@@ -3022,7 +3023,7 @@
           <a:p>
             <a:fld id="{B0EF2F08-E45E-1A41-8309-F6039F0DB567}" type="slidenum">
               <a:rPr lang="en-CH" smtClean="0"/>
-              <a:t>‹N°›</a:t>
+              <a:t>‹#›</a:t>
             </a:fld>
             <a:endParaRPr lang="en-CH"/>
           </a:p>
@@ -4406,6 +4407,343 @@
 </p:sld>
 </file>
 
+<file path=ppt/slides/slide4.xml><?xml version="1.0" encoding="utf-8"?>
+<p:sld xmlns:a="http://schemas.openxmlformats.org/drawingml/2006/main" xmlns:r="http://schemas.openxmlformats.org/officeDocument/2006/relationships" xmlns:p="http://schemas.openxmlformats.org/presentationml/2006/main">
+  <p:cSld>
+    <p:spTree>
+      <p:nvGrpSpPr>
+        <p:cNvPr id="1" name=""/>
+        <p:cNvGrpSpPr/>
+        <p:nvPr/>
+      </p:nvGrpSpPr>
+      <p:grpSpPr>
+        <a:xfrm>
+          <a:off x="0" y="0"/>
+          <a:ext cx="0" cy="0"/>
+          <a:chOff x="0" y="0"/>
+          <a:chExt cx="0" cy="0"/>
+        </a:xfrm>
+      </p:grpSpPr>
+      <p:sp>
+        <p:nvSpPr>
+          <p:cNvPr id="2" name="Title 1">
+            <a:extLst>
+              <a:ext uri="{FF2B5EF4-FFF2-40B4-BE49-F238E27FC236}">
+                <a16:creationId xmlns:a16="http://schemas.microsoft.com/office/drawing/2014/main" id="{F75000D9-C06E-095A-A90B-21A6BF1B6B69}"/>
+              </a:ext>
+            </a:extLst>
+          </p:cNvPr>
+          <p:cNvSpPr>
+            <a:spLocks noGrp="1"/>
+          </p:cNvSpPr>
+          <p:nvPr>
+            <p:ph type="title"/>
+          </p:nvPr>
+        </p:nvSpPr>
+        <p:spPr/>
+        <p:txBody>
+          <a:bodyPr/>
+          <a:lstStyle/>
+          <a:p>
+            <a:r>
+              <a:rPr lang="en-CH" dirty="0"/>
+              <a:t>Sponsors</a:t>
+            </a:r>
+          </a:p>
+        </p:txBody>
+      </p:sp>
+      <p:pic>
+        <p:nvPicPr>
+          <p:cNvPr id="4" name="Picture 6">
+            <a:extLst>
+              <a:ext uri="{FF2B5EF4-FFF2-40B4-BE49-F238E27FC236}">
+                <a16:creationId xmlns:a16="http://schemas.microsoft.com/office/drawing/2014/main" id="{A04935DA-CE58-655B-4B0F-CFCB73838C8D}"/>
+              </a:ext>
+            </a:extLst>
+          </p:cNvPr>
+          <p:cNvPicPr>
+            <a:picLocks noChangeAspect="1" noChangeArrowheads="1"/>
+          </p:cNvPicPr>
+          <p:nvPr/>
+        </p:nvPicPr>
+        <p:blipFill>
+          <a:blip r:embed="rId2">
+            <a:extLst>
+              <a:ext uri="{28A0092B-C50C-407E-A947-70E740481C1C}">
+                <a14:useLocalDpi xmlns:a14="http://schemas.microsoft.com/office/drawing/2010/main" val="0"/>
+              </a:ext>
+            </a:extLst>
+          </a:blip>
+          <a:srcRect/>
+          <a:stretch>
+            <a:fillRect/>
+          </a:stretch>
+        </p:blipFill>
+        <p:spPr bwMode="auto">
+          <a:xfrm>
+            <a:off x="4072238" y="1808008"/>
+            <a:ext cx="1625600" cy="698500"/>
+          </a:xfrm>
+          <a:prstGeom prst="rect">
+            <a:avLst/>
+          </a:prstGeom>
+          <a:noFill/>
+          <a:extLst>
+            <a:ext uri="{909E8E84-426E-40DD-AFC4-6F175D3DCCD1}">
+              <a14:hiddenFill xmlns:a14="http://schemas.microsoft.com/office/drawing/2010/main">
+                <a:solidFill>
+                  <a:srgbClr val="FFFFFF"/>
+                </a:solidFill>
+              </a14:hiddenFill>
+            </a:ext>
+          </a:extLst>
+        </p:spPr>
+      </p:pic>
+      <p:pic>
+        <p:nvPicPr>
+          <p:cNvPr id="5" name="Picture 8">
+            <a:extLst>
+              <a:ext uri="{FF2B5EF4-FFF2-40B4-BE49-F238E27FC236}">
+                <a16:creationId xmlns:a16="http://schemas.microsoft.com/office/drawing/2014/main" id="{550F1EEE-6D48-23C1-AFA5-452ECB6A4E30}"/>
+              </a:ext>
+            </a:extLst>
+          </p:cNvPr>
+          <p:cNvPicPr>
+            <a:picLocks noChangeAspect="1" noChangeArrowheads="1"/>
+          </p:cNvPicPr>
+          <p:nvPr/>
+        </p:nvPicPr>
+        <p:blipFill>
+          <a:blip r:embed="rId3">
+            <a:extLst>
+              <a:ext uri="{28A0092B-C50C-407E-A947-70E740481C1C}">
+                <a14:useLocalDpi xmlns:a14="http://schemas.microsoft.com/office/drawing/2010/main" val="0"/>
+              </a:ext>
+            </a:extLst>
+          </a:blip>
+          <a:srcRect/>
+          <a:stretch>
+            <a:fillRect/>
+          </a:stretch>
+        </p:blipFill>
+        <p:spPr bwMode="auto">
+          <a:xfrm>
+            <a:off x="6035761" y="1697498"/>
+            <a:ext cx="2499841" cy="809010"/>
+          </a:xfrm>
+          <a:prstGeom prst="rect">
+            <a:avLst/>
+          </a:prstGeom>
+          <a:noFill/>
+          <a:extLst>
+            <a:ext uri="{909E8E84-426E-40DD-AFC4-6F175D3DCCD1}">
+              <a14:hiddenFill xmlns:a14="http://schemas.microsoft.com/office/drawing/2010/main">
+                <a:solidFill>
+                  <a:srgbClr val="FFFFFF"/>
+                </a:solidFill>
+              </a14:hiddenFill>
+            </a:ext>
+          </a:extLst>
+        </p:spPr>
+      </p:pic>
+      <p:pic>
+        <p:nvPicPr>
+          <p:cNvPr id="6" name="Graphic 5">
+            <a:extLst>
+              <a:ext uri="{FF2B5EF4-FFF2-40B4-BE49-F238E27FC236}">
+                <a16:creationId xmlns:a16="http://schemas.microsoft.com/office/drawing/2014/main" id="{FF150D7D-314A-415E-B468-A6BA45A668F1}"/>
+              </a:ext>
+            </a:extLst>
+          </p:cNvPr>
+          <p:cNvPicPr>
+            <a:picLocks noChangeAspect="1"/>
+          </p:cNvPicPr>
+          <p:nvPr/>
+        </p:nvPicPr>
+        <p:blipFill>
+          <a:blip r:embed="rId4">
+            <a:extLst>
+              <a:ext uri="{96DAC541-7B7A-43D3-8B79-37D633B846F1}">
+                <asvg:svgBlip xmlns:asvg="http://schemas.microsoft.com/office/drawing/2016/SVG/main" r:embed="rId5"/>
+              </a:ext>
+            </a:extLst>
+          </a:blip>
+          <a:stretch>
+            <a:fillRect/>
+          </a:stretch>
+        </p:blipFill>
+        <p:spPr>
+          <a:xfrm>
+            <a:off x="8873525" y="1886103"/>
+            <a:ext cx="2499841" cy="542309"/>
+          </a:xfrm>
+          <a:prstGeom prst="rect">
+            <a:avLst/>
+          </a:prstGeom>
+        </p:spPr>
+      </p:pic>
+      <p:pic>
+        <p:nvPicPr>
+          <p:cNvPr id="7" name="Picture 4">
+            <a:extLst>
+              <a:ext uri="{FF2B5EF4-FFF2-40B4-BE49-F238E27FC236}">
+                <a16:creationId xmlns:a16="http://schemas.microsoft.com/office/drawing/2014/main" id="{9A70B04A-000F-1AEE-9D13-07A626BB8DD7}"/>
+              </a:ext>
+            </a:extLst>
+          </p:cNvPr>
+          <p:cNvPicPr>
+            <a:picLocks noChangeAspect="1" noChangeArrowheads="1"/>
+          </p:cNvPicPr>
+          <p:nvPr/>
+        </p:nvPicPr>
+        <p:blipFill>
+          <a:blip r:embed="rId6">
+            <a:extLst>
+              <a:ext uri="{28A0092B-C50C-407E-A947-70E740481C1C}">
+                <a14:useLocalDpi xmlns:a14="http://schemas.microsoft.com/office/drawing/2010/main" val="0"/>
+              </a:ext>
+            </a:extLst>
+          </a:blip>
+          <a:srcRect/>
+          <a:stretch>
+            <a:fillRect/>
+          </a:stretch>
+        </p:blipFill>
+        <p:spPr bwMode="auto">
+          <a:xfrm>
+            <a:off x="1524000" y="1503208"/>
+            <a:ext cx="2451100" cy="1308100"/>
+          </a:xfrm>
+          <a:prstGeom prst="rect">
+            <a:avLst/>
+          </a:prstGeom>
+          <a:noFill/>
+          <a:extLst>
+            <a:ext uri="{909E8E84-426E-40DD-AFC4-6F175D3DCCD1}">
+              <a14:hiddenFill xmlns:a14="http://schemas.microsoft.com/office/drawing/2010/main">
+                <a:solidFill>
+                  <a:srgbClr val="FFFFFF"/>
+                </a:solidFill>
+              </a14:hiddenFill>
+            </a:ext>
+          </a:extLst>
+        </p:spPr>
+      </p:pic>
+      <p:sp>
+        <p:nvSpPr>
+          <p:cNvPr id="9" name="TextBox 8">
+            <a:extLst>
+              <a:ext uri="{FF2B5EF4-FFF2-40B4-BE49-F238E27FC236}">
+                <a16:creationId xmlns:a16="http://schemas.microsoft.com/office/drawing/2014/main" id="{2198F622-3E28-99EB-8081-6783E8612646}"/>
+              </a:ext>
+            </a:extLst>
+          </p:cNvPr>
+          <p:cNvSpPr txBox="1"/>
+          <p:nvPr/>
+        </p:nvSpPr>
+        <p:spPr>
+          <a:xfrm>
+            <a:off x="3048000" y="3661691"/>
+            <a:ext cx="6096000" cy="369332"/>
+          </a:xfrm>
+          <a:prstGeom prst="rect">
+            <a:avLst/>
+          </a:prstGeom>
+          <a:noFill/>
+        </p:spPr>
+        <p:txBody>
+          <a:bodyPr wrap="square">
+            <a:spAutoFit/>
+          </a:bodyPr>
+          <a:lstStyle/>
+          <a:p>
+            <a:pPr algn="ctr"/>
+            <a:r>
+              <a:rPr lang="en-CH" dirty="0"/>
+              <a:t>http://smt-workshop.cs.uiowa.edu/2022/sponsors.shtml</a:t>
+            </a:r>
+          </a:p>
+        </p:txBody>
+      </p:sp>
+      <p:sp>
+        <p:nvSpPr>
+          <p:cNvPr id="10" name="TextBox 9">
+            <a:extLst>
+              <a:ext uri="{FF2B5EF4-FFF2-40B4-BE49-F238E27FC236}">
+                <a16:creationId xmlns:a16="http://schemas.microsoft.com/office/drawing/2014/main" id="{DDBCB3E4-ED75-DE83-D770-1D67504172A2}"/>
+              </a:ext>
+            </a:extLst>
+          </p:cNvPr>
+          <p:cNvSpPr txBox="1"/>
+          <p:nvPr/>
+        </p:nvSpPr>
+        <p:spPr>
+          <a:xfrm>
+            <a:off x="3048000" y="3053133"/>
+            <a:ext cx="6096000" cy="369332"/>
+          </a:xfrm>
+          <a:prstGeom prst="rect">
+            <a:avLst/>
+          </a:prstGeom>
+          <a:noFill/>
+        </p:spPr>
+        <p:txBody>
+          <a:bodyPr wrap="square">
+            <a:spAutoFit/>
+          </a:bodyPr>
+          <a:lstStyle/>
+          <a:p>
+            <a:pPr algn="ctr"/>
+            <a:r>
+              <a:rPr lang="en-CH" dirty="0"/>
+              <a:t>See how our sponsors use SMT in their products!</a:t>
+            </a:r>
+          </a:p>
+        </p:txBody>
+      </p:sp>
+      <p:pic>
+        <p:nvPicPr>
+          <p:cNvPr id="12" name="Picture 11" descr="Qr code&#10;&#10;Description automatically generated">
+            <a:extLst>
+              <a:ext uri="{FF2B5EF4-FFF2-40B4-BE49-F238E27FC236}">
+                <a16:creationId xmlns:a16="http://schemas.microsoft.com/office/drawing/2014/main" id="{6382E34F-2192-3CAF-F967-743A5ED4AFBF}"/>
+              </a:ext>
+            </a:extLst>
+          </p:cNvPr>
+          <p:cNvPicPr>
+            <a:picLocks noChangeAspect="1"/>
+          </p:cNvPicPr>
+          <p:nvPr/>
+        </p:nvPicPr>
+        <p:blipFill>
+          <a:blip r:embed="rId7"/>
+          <a:stretch>
+            <a:fillRect/>
+          </a:stretch>
+        </p:blipFill>
+        <p:spPr>
+          <a:xfrm>
+            <a:off x="4876999" y="4270249"/>
+            <a:ext cx="2438001" cy="2438001"/>
+          </a:xfrm>
+          <a:prstGeom prst="rect">
+            <a:avLst/>
+          </a:prstGeom>
+        </p:spPr>
+      </p:pic>
+    </p:spTree>
+    <p:extLst>
+      <p:ext uri="{BB962C8B-B14F-4D97-AF65-F5344CB8AC3E}">
+        <p14:creationId xmlns:p14="http://schemas.microsoft.com/office/powerpoint/2010/main" val="4145694719"/>
+      </p:ext>
+    </p:extLst>
+  </p:cSld>
+  <p:clrMapOvr>
+    <a:masterClrMapping/>
+  </p:clrMapOvr>
+</p:sld>
+</file>
+
 <file path=ppt/theme/theme1.xml><?xml version="1.0" encoding="utf-8"?>
 <a:theme xmlns:a="http://schemas.openxmlformats.org/drawingml/2006/main" name="Office Theme">
   <a:themeElements>
